--- a/2021-04-12to04-16 (A5) C53517 SoftMARS/20_06v01_MarsBaseAlpha_OpeningBriefing.pptx
+++ b/2021-04-12to04-16 (A5) C53517 SoftMARS/20_06v01_MarsBaseAlpha_OpeningBriefing.pptx
@@ -261,7 +261,7 @@
           <a:p>
             <a:fld id="{F319E496-E8FF-4856-B08F-DBE14D18B236}" type="datetimeFigureOut">
               <a:rPr lang="en-US" smtClean="0"/>
-              <a:t>4/16/2021</a:t>
+              <a:t>4/22/2021</a:t>
             </a:fld>
             <a:endParaRPr lang="en-US"/>
           </a:p>
@@ -438,7 +438,7 @@
           <a:p>
             <a:fld id="{4572F63B-EF0F-9942-98B2-F67CC88AF236}" type="datetimeFigureOut">
               <a:rPr lang="en-US" smtClean="0"/>
-              <a:t>4/16/2021</a:t>
+              <a:t>4/22/2021</a:t>
             </a:fld>
             <a:endParaRPr lang="en-US"/>
           </a:p>
@@ -1600,7 +1600,7 @@
               </a14:hiddenLine>
             </a:ext>
             <a:ext uri="{FAA26D3D-D897-4be2-8F04-BA451C77F1D7}">
-              <ma14:placeholderFlag xmlns:ma14="http://schemas.microsoft.com/office/mac/drawingml/2011/main" xmlns="" val="1"/>
+              <ma14:placeholderFlag xmlns="" xmlns:ma14="http://schemas.microsoft.com/office/mac/drawingml/2011/main" val="1"/>
             </a:ext>
           </a:extLst>
         </p:spPr>
@@ -1787,7 +1787,7 @@
               </a14:hiddenLine>
             </a:ext>
             <a:ext uri="{FAA26D3D-D897-4be2-8F04-BA451C77F1D7}">
-              <ma14:placeholderFlag xmlns:ma14="http://schemas.microsoft.com/office/mac/drawingml/2011/main" xmlns="" val="1"/>
+              <ma14:placeholderFlag xmlns="" xmlns:ma14="http://schemas.microsoft.com/office/mac/drawingml/2011/main" val="1"/>
             </a:ext>
           </a:extLst>
         </p:spPr>
@@ -2041,7 +2041,7 @@
               </a14:hiddenLine>
             </a:ext>
             <a:ext uri="{FAA26D3D-D897-4be2-8F04-BA451C77F1D7}">
-              <ma14:placeholderFlag xmlns:ma14="http://schemas.microsoft.com/office/mac/drawingml/2011/main" xmlns="" val="1"/>
+              <ma14:placeholderFlag xmlns="" xmlns:ma14="http://schemas.microsoft.com/office/mac/drawingml/2011/main" val="1"/>
             </a:ext>
           </a:extLst>
         </p:spPr>
@@ -2295,7 +2295,7 @@
               </a14:hiddenLine>
             </a:ext>
             <a:ext uri="{FAA26D3D-D897-4be2-8F04-BA451C77F1D7}">
-              <ma14:placeholderFlag xmlns:ma14="http://schemas.microsoft.com/office/mac/drawingml/2011/main" xmlns="" val="1"/>
+              <ma14:placeholderFlag xmlns="" xmlns:ma14="http://schemas.microsoft.com/office/mac/drawingml/2011/main" val="1"/>
             </a:ext>
           </a:extLst>
         </p:spPr>
@@ -2844,7 +2844,7 @@
               </a14:hiddenLine>
             </a:ext>
             <a:ext uri="{FAA26D3D-D897-4be2-8F04-BA451C77F1D7}">
-              <ma14:placeholderFlag xmlns:ma14="http://schemas.microsoft.com/office/mac/drawingml/2011/main" xmlns="" val="1"/>
+              <ma14:placeholderFlag xmlns="" xmlns:ma14="http://schemas.microsoft.com/office/mac/drawingml/2011/main" val="1"/>
             </a:ext>
           </a:extLst>
         </p:spPr>
@@ -5439,14 +5439,14 @@
           </a:ln>
           <a:extLst>
             <a:ext uri="{909E8E84-426E-40dd-AFC4-6F175D3DCCD1}">
-              <a14:hiddenFill xmlns:a14="http://schemas.microsoft.com/office/drawing/2010/main" xmlns="">
+              <a14:hiddenFill xmlns="" xmlns:a14="http://schemas.microsoft.com/office/drawing/2010/main">
                 <a:solidFill>
                   <a:schemeClr val="accent1"/>
                 </a:solidFill>
               </a14:hiddenFill>
             </a:ext>
             <a:ext uri="{91240B29-F687-4f45-9708-019B960494DF}">
-              <a14:hiddenLine xmlns:a14="http://schemas.microsoft.com/office/drawing/2010/main" xmlns="" w="9525">
+              <a14:hiddenLine xmlns="" xmlns:a14="http://schemas.microsoft.com/office/drawing/2010/main" w="9525">
                 <a:solidFill>
                   <a:schemeClr val="tx1"/>
                 </a:solidFill>
@@ -9595,9 +9595,20 @@
           <a:p>
             <a:pPr algn="ctr"/>
             <a:r>
-              <a:rPr lang="en-ZA" sz="1600" dirty="0"/>
-              <a:t>Create | Evolve | Perfect </a:t>
-            </a:r>
+              <a:rPr lang="en-ZA" sz="1600" b="0" i="0">
+                <a:solidFill>
+                  <a:srgbClr val="000000"/>
+                </a:solidFill>
+                <a:effectLst/>
+                <a:latin typeface="Open Sans"/>
+              </a:rPr>
+              <a:t>Knowledge | Experience | Results</a:t>
+            </a:r>
+            <a:r>
+              <a:rPr lang="en-ZA" sz="1600"/>
+              <a:t> </a:t>
+            </a:r>
+            <a:endParaRPr lang="en-ZA" sz="1600" dirty="0"/>
           </a:p>
         </p:txBody>
       </p:sp>
@@ -11360,12 +11371,9 @@
 </file>
 
 <file path=customXml/item1.xml><?xml version="1.0" encoding="utf-8"?>
-<?mso-contentType ?>
-<FormTemplates xmlns="http://schemas.microsoft.com/sharepoint/v3/contenttype/forms">
-  <Display>DocumentLibraryForm</Display>
-  <Edit>DocumentLibraryForm</Edit>
-  <New>DocumentLibraryForm</New>
-</FormTemplates>
+<p:properties xmlns:p="http://schemas.microsoft.com/office/2006/metadata/properties" xmlns:xsi="http://www.w3.org/2001/XMLSchema-instance" xmlns:pc="http://schemas.microsoft.com/office/infopath/2007/PartnerControls">
+  <documentManagement/>
+</p:properties>
 </file>
 
 <file path=customXml/item2.xml><?xml version="1.0" encoding="utf-8"?>
@@ -11580,15 +11588,25 @@
 </file>
 
 <file path=customXml/item3.xml><?xml version="1.0" encoding="utf-8"?>
-<p:properties xmlns:p="http://schemas.microsoft.com/office/2006/metadata/properties" xmlns:xsi="http://www.w3.org/2001/XMLSchema-instance" xmlns:pc="http://schemas.microsoft.com/office/infopath/2007/PartnerControls">
-  <documentManagement/>
-</p:properties>
+<?mso-contentType ?>
+<FormTemplates xmlns="http://schemas.microsoft.com/sharepoint/v3/contenttype/forms">
+  <Display>DocumentLibraryForm</Display>
+  <Edit>DocumentLibraryForm</Edit>
+  <New>DocumentLibraryForm</New>
+</FormTemplates>
 </file>
 
 <file path=customXml/itemProps1.xml><?xml version="1.0" encoding="utf-8"?>
-<ds:datastoreItem xmlns:ds="http://schemas.openxmlformats.org/officeDocument/2006/customXml" ds:itemID="{B8B49826-D5EE-4D24-B649-7C3A19B527D2}">
+<ds:datastoreItem xmlns:ds="http://schemas.openxmlformats.org/officeDocument/2006/customXml" ds:itemID="{5F07B0D7-F930-4230-933E-ABA84959494E}">
   <ds:schemaRefs>
-    <ds:schemaRef ds:uri="http://schemas.microsoft.com/sharepoint/v3/contenttype/forms"/>
+    <ds:schemaRef ds:uri="http://purl.org/dc/terms/"/>
+    <ds:schemaRef ds:uri="http://www.w3.org/XML/1998/namespace"/>
+    <ds:schemaRef ds:uri="http://purl.org/dc/dcmitype/"/>
+    <ds:schemaRef ds:uri="http://schemas.microsoft.com/office/2006/documentManagement/types"/>
+    <ds:schemaRef ds:uri="http://schemas.microsoft.com/office/infopath/2007/PartnerControls"/>
+    <ds:schemaRef ds:uri="http://schemas.openxmlformats.org/package/2006/metadata/core-properties"/>
+    <ds:schemaRef ds:uri="http://schemas.microsoft.com/office/2006/metadata/properties"/>
+    <ds:schemaRef ds:uri="http://purl.org/dc/elements/1.1/"/>
   </ds:schemaRefs>
 </ds:datastoreItem>
 </file>
@@ -11613,16 +11631,9 @@
 </file>
 
 <file path=customXml/itemProps3.xml><?xml version="1.0" encoding="utf-8"?>
-<ds:datastoreItem xmlns:ds="http://schemas.openxmlformats.org/officeDocument/2006/customXml" ds:itemID="{5F07B0D7-F930-4230-933E-ABA84959494E}">
+<ds:datastoreItem xmlns:ds="http://schemas.openxmlformats.org/officeDocument/2006/customXml" ds:itemID="{B8B49826-D5EE-4D24-B649-7C3A19B527D2}">
   <ds:schemaRefs>
-    <ds:schemaRef ds:uri="http://purl.org/dc/terms/"/>
-    <ds:schemaRef ds:uri="http://www.w3.org/XML/1998/namespace"/>
-    <ds:schemaRef ds:uri="http://purl.org/dc/dcmitype/"/>
-    <ds:schemaRef ds:uri="http://schemas.microsoft.com/office/2006/documentManagement/types"/>
-    <ds:schemaRef ds:uri="http://schemas.microsoft.com/office/infopath/2007/PartnerControls"/>
-    <ds:schemaRef ds:uri="http://schemas.openxmlformats.org/package/2006/metadata/core-properties"/>
-    <ds:schemaRef ds:uri="http://schemas.microsoft.com/office/2006/metadata/properties"/>
-    <ds:schemaRef ds:uri="http://purl.org/dc/elements/1.1/"/>
+    <ds:schemaRef ds:uri="http://schemas.microsoft.com/sharepoint/v3/contenttype/forms"/>
   </ds:schemaRefs>
 </ds:datastoreItem>
 </file>